--- a/week2/CSharp-2.pptx
+++ b/week2/CSharp-2.pptx
@@ -192,9 +192,9 @@
 <file path=ppt/revisionInfo.xml><?xml version="1.0" encoding="utf-8"?>
 <p1510:revInfo xmlns:a="http://schemas.openxmlformats.org/drawingml/2006/main" xmlns:r="http://schemas.openxmlformats.org/officeDocument/2006/relationships" xmlns:p1510="http://schemas.microsoft.com/office/powerpoint/2015/10/main">
   <p1510:revLst>
+    <p1510:client id="{87CDFE17-F89D-EC1B-1B6B-E6EE6CD31147}" v="10" dt="2020-01-13T23:24:27.763"/>
+    <p1510:client id="{5B75A5FF-23F0-FDB9-7207-279B8E9078E0}" v="11" dt="2020-01-13T02:36:04.259"/>
     <p1510:client id="{473EBDB7-E7F1-4661-894F-B1806BB73A5F}" v="98" dt="2018-02-02T01:02:03.162"/>
-    <p1510:client id="{5B75A5FF-23F0-FDB9-7207-279B8E9078E0}" v="11" dt="2020-01-13T02:36:04.259"/>
-    <p1510:client id="{87CDFE17-F89D-EC1B-1B6B-E6EE6CD31147}" v="10" dt="2020-01-13T23:24:27.763"/>
   </p1510:revLst>
 </p1510:revInfo>
 </file>
@@ -11296,7 +11296,7 @@
           <a:graphicData uri="http://schemas.openxmlformats.org/presentationml/2006/ole">
             <mc:AlternateContent xmlns:mc="http://schemas.openxmlformats.org/markup-compatibility/2006">
               <mc:Choice xmlns:v="urn:schemas-microsoft-com:vml" Requires="v">
-                <p:oleObj spid="_x0000_s44033" name="Visio" r:id="rId4" imgW="270231" imgH="303063" progId="">
+                <p:oleObj spid="_x0000_s44035" name="Visio" r:id="rId4" imgW="270231" imgH="303063" progId="">
                   <p:embed/>
                 </p:oleObj>
               </mc:Choice>
@@ -11395,7 +11395,7 @@
           <a:graphicData uri="http://schemas.openxmlformats.org/presentationml/2006/ole">
             <mc:AlternateContent xmlns:mc="http://schemas.openxmlformats.org/markup-compatibility/2006">
               <mc:Choice xmlns:v="urn:schemas-microsoft-com:vml" Requires="v">
-                <p:oleObj spid="_x0000_s44034" name="Visio" r:id="rId6" imgW="270231" imgH="303063" progId="">
+                <p:oleObj spid="_x0000_s44036" name="Visio" r:id="rId6" imgW="270231" imgH="303063" progId="">
                   <p:embed/>
                 </p:oleObj>
               </mc:Choice>
@@ -14451,7 +14451,7 @@
           <a:graphicData uri="http://schemas.openxmlformats.org/presentationml/2006/ole">
             <mc:AlternateContent xmlns:mc="http://schemas.openxmlformats.org/markup-compatibility/2006">
               <mc:Choice xmlns:v="urn:schemas-microsoft-com:vml" Requires="v">
-                <p:oleObj spid="_x0000_s53249" name="Visio" r:id="rId4" imgW="270231" imgH="303063" progId="">
+                <p:oleObj spid="_x0000_s53250" name="Visio" r:id="rId4" imgW="270231" imgH="303063" progId="">
                   <p:embed/>
                 </p:oleObj>
               </mc:Choice>

--- a/week2/CSharp-2.pptx
+++ b/week2/CSharp-2.pptx
@@ -192,9 +192,9 @@
 <file path=ppt/revisionInfo.xml><?xml version="1.0" encoding="utf-8"?>
 <p1510:revInfo xmlns:a="http://schemas.openxmlformats.org/drawingml/2006/main" xmlns:r="http://schemas.openxmlformats.org/officeDocument/2006/relationships" xmlns:p1510="http://schemas.microsoft.com/office/powerpoint/2015/10/main">
   <p1510:revLst>
+    <p1510:client id="{473EBDB7-E7F1-4661-894F-B1806BB73A5F}" v="98" dt="2018-02-02T01:02:03.162"/>
+    <p1510:client id="{5B75A5FF-23F0-FDB9-7207-279B8E9078E0}" v="11" dt="2020-01-13T02:36:04.259"/>
     <p1510:client id="{87CDFE17-F89D-EC1B-1B6B-E6EE6CD31147}" v="10" dt="2020-01-13T23:24:27.763"/>
-    <p1510:client id="{5B75A5FF-23F0-FDB9-7207-279B8E9078E0}" v="11" dt="2020-01-13T02:36:04.259"/>
-    <p1510:client id="{473EBDB7-E7F1-4661-894F-B1806BB73A5F}" v="98" dt="2018-02-02T01:02:03.162"/>
   </p1510:revLst>
 </p1510:revInfo>
 </file>
@@ -11296,7 +11296,7 @@
           <a:graphicData uri="http://schemas.openxmlformats.org/presentationml/2006/ole">
             <mc:AlternateContent xmlns:mc="http://schemas.openxmlformats.org/markup-compatibility/2006">
               <mc:Choice xmlns:v="urn:schemas-microsoft-com:vml" Requires="v">
-                <p:oleObj spid="_x0000_s44035" name="Visio" r:id="rId4" imgW="270231" imgH="303063" progId="">
+                <p:oleObj spid="_x0000_s44037" name="Visio" r:id="rId4" imgW="270231" imgH="303063" progId="">
                   <p:embed/>
                 </p:oleObj>
               </mc:Choice>
@@ -11395,7 +11395,7 @@
           <a:graphicData uri="http://schemas.openxmlformats.org/presentationml/2006/ole">
             <mc:AlternateContent xmlns:mc="http://schemas.openxmlformats.org/markup-compatibility/2006">
               <mc:Choice xmlns:v="urn:schemas-microsoft-com:vml" Requires="v">
-                <p:oleObj spid="_x0000_s44036" name="Visio" r:id="rId6" imgW="270231" imgH="303063" progId="">
+                <p:oleObj spid="_x0000_s44038" name="Visio" r:id="rId6" imgW="270231" imgH="303063" progId="">
                   <p:embed/>
                 </p:oleObj>
               </mc:Choice>
@@ -14451,7 +14451,7 @@
           <a:graphicData uri="http://schemas.openxmlformats.org/presentationml/2006/ole">
             <mc:AlternateContent xmlns:mc="http://schemas.openxmlformats.org/markup-compatibility/2006">
               <mc:Choice xmlns:v="urn:schemas-microsoft-com:vml" Requires="v">
-                <p:oleObj spid="_x0000_s53250" name="Visio" r:id="rId4" imgW="270231" imgH="303063" progId="">
+                <p:oleObj spid="_x0000_s53251" name="Visio" r:id="rId4" imgW="270231" imgH="303063" progId="">
                   <p:embed/>
                 </p:oleObj>
               </mc:Choice>
@@ -18023,7 +18023,7 @@
           </p:nvPr>
         </p:nvSpPr>
         <p:spPr>
-          <a:xfrm rot="-60000">
+          <a:xfrm>
             <a:off x="384181" y="666750"/>
             <a:ext cx="8350250" cy="5389667"/>
           </a:xfrm>
@@ -18034,7 +18034,7 @@
           <a:p>
             <a:pPr algn="just"/>
             <a:r>
-              <a:rPr lang="zh-CN" sz="2800" b="1">
+              <a:rPr lang="zh-CN" sz="2800" b="1" dirty="0">
                 <a:solidFill>
                   <a:schemeClr val="bg1"/>
                 </a:solidFill>
@@ -18043,14 +18043,14 @@
               </a:rPr>
               <a:t>C# is case sensitive.</a:t>
             </a:r>
-            <a:endParaRPr lang="en-US" sz="2800" b="1">
+            <a:endParaRPr lang="en-US" sz="2800" b="1" dirty="0">
               <a:cs typeface="Arial"/>
             </a:endParaRPr>
           </a:p>
           <a:p>
             <a:pPr algn="just"/>
             <a:r>
-              <a:rPr lang="zh-CN" sz="2800" b="1">
+              <a:rPr lang="zh-CN" sz="2800" b="1" dirty="0">
                 <a:solidFill>
                   <a:schemeClr val="bg1"/>
                 </a:solidFill>
@@ -18059,7 +18059,7 @@
               </a:rPr>
               <a:t>All statements and expression must end with a semicolon (;)</a:t>
             </a:r>
-            <a:endParaRPr lang="zh-CN" sz="2800" b="1">
+            <a:endParaRPr lang="zh-CN" sz="2800" b="1" dirty="0">
               <a:solidFill>
                 <a:srgbClr val="FFFFFF"/>
               </a:solidFill>
@@ -18070,7 +18070,7 @@
           <a:p>
             <a:pPr algn="just"/>
             <a:r>
-              <a:rPr lang="en-US" altLang="zh-CN" sz="2800" b="1">
+              <a:rPr lang="en-US" altLang="zh-CN" sz="2800" b="1" dirty="0">
                 <a:solidFill>
                   <a:srgbClr val="FFFFFF"/>
                 </a:solidFill>
@@ -18081,7 +18081,7 @@
               <a:t>{} </a:t>
             </a:r>
             <a:r>
-              <a:rPr lang="en-US" altLang="zh-CN" sz="2800" b="1" err="1">
+              <a:rPr lang="en-US" altLang="zh-CN" sz="2800" b="1" dirty="0" err="1">
                 <a:solidFill>
                   <a:srgbClr val="FFFFFF"/>
                 </a:solidFill>
@@ -18092,7 +18092,7 @@
               <a:t>popsitions</a:t>
             </a:r>
             <a:r>
-              <a:rPr lang="en-US" altLang="zh-CN" sz="2800" b="1">
+              <a:rPr lang="en-US" altLang="zh-CN" sz="2800" b="1" dirty="0">
                 <a:solidFill>
                   <a:srgbClr val="FFFFFF"/>
                 </a:solidFill>
@@ -18106,7 +18106,7 @@
           <a:p>
             <a:pPr algn="just"/>
             <a:r>
-              <a:rPr lang="en-US" altLang="zh-CN" sz="2800" b="1">
+              <a:rPr lang="en-US" altLang="zh-CN" sz="2800" b="1" dirty="0">
                 <a:solidFill>
                   <a:srgbClr val="FFFFFF"/>
                 </a:solidFill>
@@ -18120,7 +18120,7 @@
           <a:p>
             <a:pPr algn="just"/>
             <a:r>
-              <a:rPr lang="en-US" altLang="zh-CN" sz="2800" b="1">
+              <a:rPr lang="en-US" altLang="zh-CN" sz="2800" b="1" dirty="0">
                 <a:solidFill>
                   <a:srgbClr val="FFFFFF"/>
                 </a:solidFill>
@@ -18130,20 +18130,20 @@
               </a:rPr>
               <a:t>Intent styles  </a:t>
             </a:r>
-            <a:endParaRPr lang="en-US" sz="2800">
+            <a:endParaRPr lang="en-US" sz="2800" dirty="0">
               <a:cs typeface="Arial"/>
             </a:endParaRPr>
           </a:p>
           <a:p>
             <a:pPr algn="just"/>
-            <a:endParaRPr lang="en-US" sz="2800" b="1">
+            <a:endParaRPr lang="en-US" sz="2800" b="1" dirty="0">
               <a:cs typeface="Arial"/>
             </a:endParaRPr>
           </a:p>
           <a:p>
             <a:pPr algn="just"/>
             <a:r>
-              <a:rPr lang="en-US" sz="2800">
+              <a:rPr lang="en-US" sz="2800" dirty="0">
                 <a:solidFill>
                   <a:srgbClr val="FFFFFF"/>
                 </a:solidFill>
@@ -18152,7 +18152,7 @@
               <a:t>C# Coding Conventions</a:t>
             </a:r>
             <a:r>
-              <a:rPr lang="en-US" sz="2800">
+              <a:rPr lang="en-US" sz="2800" dirty="0">
                 <a:solidFill>
                   <a:srgbClr val="FFFFFF"/>
                 </a:solidFill>
@@ -18162,7 +18162,7 @@
               </a:rPr>
               <a:t> (Next page)</a:t>
             </a:r>
-            <a:endParaRPr lang="en-US" altLang="zh-CN" sz="2800">
+            <a:endParaRPr lang="en-US" altLang="zh-CN" sz="2800" dirty="0">
               <a:solidFill>
                 <a:srgbClr val="FFFFFF"/>
               </a:solidFill>
@@ -18174,14 +18174,14 @@
           <a:p>
             <a:pPr lvl="1" algn="just"/>
             <a:r>
-              <a:rPr lang="en-US" sz="2800">
+              <a:rPr lang="en-US" sz="2800" dirty="0">
                 <a:solidFill>
                   <a:srgbClr val="FFFFFF"/>
                 </a:solidFill>
               </a:rPr>
               <a:t>Naming Conventions</a:t>
             </a:r>
-            <a:endParaRPr lang="en-US" sz="2800">
+            <a:endParaRPr lang="en-US" sz="2800" dirty="0">
               <a:solidFill>
                 <a:srgbClr val="FFFFFF"/>
               </a:solidFill>
@@ -18193,7 +18193,7 @@
           <a:p>
             <a:pPr lvl="1" algn="just"/>
             <a:r>
-              <a:rPr lang="en-US" sz="2800">
+              <a:rPr lang="en-US" sz="2800" dirty="0">
                 <a:solidFill>
                   <a:srgbClr val="FFFFFF"/>
                 </a:solidFill>
@@ -18201,7 +18201,7 @@
               <a:t>Layout Conventions</a:t>
             </a:r>
             <a:r>
-              <a:rPr lang="en-US" sz="2800">
+              <a:rPr lang="en-US" sz="2800" dirty="0">
                 <a:solidFill>
                   <a:srgbClr val="FFFFFF"/>
                 </a:solidFill>
@@ -18215,7 +18215,7 @@
           <a:p>
             <a:pPr lvl="1" algn="just"/>
             <a:r>
-              <a:rPr lang="en-US" sz="2800">
+              <a:rPr lang="en-US" sz="2800" dirty="0">
                 <a:solidFill>
                   <a:srgbClr val="FFFFFF"/>
                 </a:solidFill>
@@ -18228,7 +18228,7 @@
           </a:p>
           <a:p>
             <a:pPr algn="just"/>
-            <a:endParaRPr lang="en-US" sz="2800">
+            <a:endParaRPr lang="en-US" sz="2800" dirty="0">
               <a:solidFill>
                 <a:srgbClr val="000000"/>
               </a:solidFill>
@@ -18239,7 +18239,7 @@
           </a:p>
           <a:p>
             <a:pPr algn="just"/>
-            <a:endParaRPr lang="en-US" altLang="zh-CN" sz="2800">
+            <a:endParaRPr lang="en-US" altLang="zh-CN" sz="2800" dirty="0">
               <a:solidFill>
                 <a:schemeClr val="bg1"/>
               </a:solidFill>
@@ -18249,7 +18249,7 @@
           </a:p>
           <a:p>
             <a:pPr algn="just"/>
-            <a:endParaRPr lang="en-US" altLang="zh-CN" sz="2800">
+            <a:endParaRPr lang="en-US" altLang="zh-CN" sz="2800" dirty="0">
               <a:solidFill>
                 <a:schemeClr val="bg1"/>
               </a:solidFill>
@@ -18264,7 +18264,7 @@
               </a:spcAft>
               <a:buNone/>
             </a:pPr>
-            <a:endParaRPr lang="zh-CN" altLang="en-US" sz="2800">
+            <a:endParaRPr lang="zh-CN" altLang="en-US" sz="2800" dirty="0">
               <a:solidFill>
                 <a:schemeClr val="bg1"/>
               </a:solidFill>
